--- a/docs/DChangeSettings.pptx
+++ b/docs/DChangeSettings.pptx
@@ -123,6 +123,14 @@
 </p:presentation>
 </file>
 
+<file path=ppt/revisionInfo.xml><?xml version="1.0" encoding="utf-8"?>
+<p1510:revInfo xmlns:a="http://schemas.openxmlformats.org/drawingml/2006/main" xmlns:r="http://schemas.openxmlformats.org/officeDocument/2006/relationships" xmlns:p1510="http://schemas.microsoft.com/office/powerpoint/2015/10/main">
+  <p1510:revLst>
+    <p1510:client id="{68820965-3347-46F1-A0F0-F9E6C007E453}" v="20" dt="2021-07-06T19:35:11.518"/>
+  </p1510:revLst>
+</p1510:revInfo>
+</file>
+
 <file path=ppt/notesMasters/notesMaster1.xml><?xml version="1.0" encoding="utf-8"?>
 <p:notesMaster xmlns:a="http://schemas.openxmlformats.org/drawingml/2006/main" xmlns:r="http://schemas.openxmlformats.org/officeDocument/2006/relationships" xmlns:p="http://schemas.openxmlformats.org/presentationml/2006/main">
   <p:cSld>
@@ -205,7 +213,7 @@
           <a:p>
             <a:fld id="{4D2A5A54-57FA-4281-A6F5-1860CF48FA07}" type="datetimeFigureOut">
               <a:rPr lang="en-US" smtClean="0"/>
-              <a:t>11/26/2019</a:t>
+              <a:t>7/6/2021</a:t>
             </a:fld>
             <a:endParaRPr lang="en-US"/>
           </a:p>
@@ -8402,7 +8410,7 @@
             </a:r>
             <a:r>
               <a:rPr lang="en-US" sz="2000" dirty="0"/>
-              <a:t> – The installed version of the translationStudio program </a:t>
+              <a:t> – The installed version of the BTT Writer program </a:t>
             </a:r>
           </a:p>
           <a:p>
@@ -8416,8 +8424,13 @@
             </a:r>
             <a:r>
               <a:rPr lang="en-US" sz="2000" dirty="0"/>
-              <a:t> – The installed version of Git, which is a version control system used by translationStudio</a:t>
-            </a:r>
+              <a:t> – The installed version of Git, which is a version control system used by </a:t>
+            </a:r>
+            <a:r>
+              <a:rPr lang="en-US" sz="2000"/>
+              <a:t>BTT Writer</a:t>
+            </a:r>
+            <a:endParaRPr lang="en-US" sz="2000" dirty="0"/>
           </a:p>
           <a:p>
             <a:pPr marL="171450" indent="-171450">
@@ -10687,12 +10700,21 @@
 </file>
 
 <file path=customXml/item1.xml><?xml version="1.0" encoding="utf-8"?>
+<?mso-contentType ?>
+<FormTemplates xmlns="http://schemas.microsoft.com/sharepoint/v3/contenttype/forms">
+  <Display>DocumentLibraryForm</Display>
+  <Edit>DocumentLibraryForm</Edit>
+  <New>DocumentLibraryForm</New>
+</FormTemplates>
+</file>
+
+<file path=customXml/item2.xml><?xml version="1.0" encoding="utf-8"?>
 <p:properties xmlns:p="http://schemas.microsoft.com/office/2006/metadata/properties" xmlns:xsi="http://www.w3.org/2001/XMLSchema-instance" xmlns:pc="http://schemas.microsoft.com/office/infopath/2007/PartnerControls">
   <documentManagement/>
 </p:properties>
 </file>
 
-<file path=customXml/item2.xml><?xml version="1.0" encoding="utf-8"?>
+<file path=customXml/item3.xml><?xml version="1.0" encoding="utf-8"?>
 <ct:contentTypeSchema xmlns:ct="http://schemas.microsoft.com/office/2006/metadata/contentType" xmlns:ma="http://schemas.microsoft.com/office/2006/metadata/properties/metaAttributes" ct:_="" ma:_="" ma:contentTypeName="Document" ma:contentTypeID="0x0101005AB3623AC358204B8459D60480BA9C2B" ma:contentTypeVersion="12" ma:contentTypeDescription="Create a new document." ma:contentTypeScope="" ma:versionID="d3005fe9c78495323023aeced5280a50">
   <xsd:schema xmlns:xsd="http://www.w3.org/2001/XMLSchema" xmlns:xs="http://www.w3.org/2001/XMLSchema" xmlns:p="http://schemas.microsoft.com/office/2006/metadata/properties" xmlns:ns3="e6b6b08c-4e37-4703-b140-b9e21b970c4f" xmlns:ns4="63ebc9d3-73c5-43d0-b794-270dc3c2d1a0" targetNamespace="http://schemas.microsoft.com/office/2006/metadata/properties" ma:root="true" ma:fieldsID="0b9151cbda91d7d860fe7297b2c5ad24" ns3:_="" ns4:_="">
     <xsd:import namespace="e6b6b08c-4e37-4703-b140-b9e21b970c4f"/>
@@ -10909,16 +10931,15 @@
 </ct:contentTypeSchema>
 </file>
 
-<file path=customXml/item3.xml><?xml version="1.0" encoding="utf-8"?>
-<?mso-contentType ?>
-<FormTemplates xmlns="http://schemas.microsoft.com/sharepoint/v3/contenttype/forms">
-  <Display>DocumentLibraryForm</Display>
-  <Edit>DocumentLibraryForm</Edit>
-  <New>DocumentLibraryForm</New>
-</FormTemplates>
+<file path=customXml/itemProps1.xml><?xml version="1.0" encoding="utf-8"?>
+<ds:datastoreItem xmlns:ds="http://schemas.openxmlformats.org/officeDocument/2006/customXml" ds:itemID="{64CFF4CB-2157-4462-882E-7C7509AE6A60}">
+  <ds:schemaRefs>
+    <ds:schemaRef ds:uri="http://schemas.microsoft.com/sharepoint/v3/contenttype/forms"/>
+  </ds:schemaRefs>
+</ds:datastoreItem>
 </file>
 
-<file path=customXml/itemProps1.xml><?xml version="1.0" encoding="utf-8"?>
+<file path=customXml/itemProps2.xml><?xml version="1.0" encoding="utf-8"?>
 <ds:datastoreItem xmlns:ds="http://schemas.openxmlformats.org/officeDocument/2006/customXml" ds:itemID="{D6405D58-8AA8-4FB2-A549-3AE7234CE79B}">
   <ds:schemaRefs>
     <ds:schemaRef ds:uri="http://purl.org/dc/terms/"/>
@@ -10935,7 +10956,7 @@
 </ds:datastoreItem>
 </file>
 
-<file path=customXml/itemProps2.xml><?xml version="1.0" encoding="utf-8"?>
+<file path=customXml/itemProps3.xml><?xml version="1.0" encoding="utf-8"?>
 <ds:datastoreItem xmlns:ds="http://schemas.openxmlformats.org/officeDocument/2006/customXml" ds:itemID="{EEEB1E18-1527-4724-AEDB-E4EBC76D73AB}">
   <ds:schemaRefs>
     <ds:schemaRef ds:uri="http://schemas.microsoft.com/office/2006/metadata/contentType"/>
@@ -10952,12 +10973,4 @@
     <ds:schemaRef ds:uri="http://schemas.microsoft.com/internal/obd"/>
   </ds:schemaRefs>
 </ds:datastoreItem>
-</file>
-
-<file path=customXml/itemProps3.xml><?xml version="1.0" encoding="utf-8"?>
-<ds:datastoreItem xmlns:ds="http://schemas.openxmlformats.org/officeDocument/2006/customXml" ds:itemID="{64CFF4CB-2157-4462-882E-7C7509AE6A60}">
-  <ds:schemaRefs>
-    <ds:schemaRef ds:uri="http://schemas.microsoft.com/sharepoint/v3/contenttype/forms"/>
-  </ds:schemaRefs>
-</ds:datastoreItem>
 </file>